--- a/inControl - PSD2 powered.pptx
+++ b/inControl - PSD2 powered.pptx
@@ -5,16 +5,17 @@
     <p:sldMasterId id="2147483648" r:id="rId1"/>
   </p:sldMasterIdLst>
   <p:notesMasterIdLst>
-    <p:notesMasterId r:id="rId9"/>
+    <p:notesMasterId r:id="rId10"/>
   </p:notesMasterIdLst>
   <p:sldIdLst>
     <p:sldId id="256" r:id="rId2"/>
     <p:sldId id="260" r:id="rId3"/>
-    <p:sldId id="261" r:id="rId4"/>
-    <p:sldId id="257" r:id="rId5"/>
-    <p:sldId id="258" r:id="rId6"/>
-    <p:sldId id="263" r:id="rId7"/>
-    <p:sldId id="264" r:id="rId8"/>
+    <p:sldId id="265" r:id="rId4"/>
+    <p:sldId id="261" r:id="rId5"/>
+    <p:sldId id="257" r:id="rId6"/>
+    <p:sldId id="258" r:id="rId7"/>
+    <p:sldId id="263" r:id="rId8"/>
+    <p:sldId id="264" r:id="rId9"/>
   </p:sldIdLst>
   <p:sldSz cx="12192000" cy="6858000"/>
   <p:notesSz cx="6858000" cy="9144000"/>
@@ -113,6 +114,11 @@
       </a:defRPr>
     </a:lvl9pPr>
   </p:defaultTextStyle>
+  <p:extLst>
+    <p:ext uri="{EFAFB233-063F-42B5-8137-9DF3F51BA10A}">
+      <p15:sldGuideLst xmlns:p15="http://schemas.microsoft.com/office/powerpoint/2012/main"/>
+    </p:ext>
+  </p:extLst>
 </p:presentation>
 </file>
 
@@ -556,7 +562,7 @@
           <a:p>
             <a:fld id="{74304892-B9D8-4EC3-BC48-8EC8F7C3A0AF}" type="slidenum">
               <a:rPr lang="hu-HU" smtClean="0"/>
-              <a:t>4</a:t>
+              <a:t>5</a:t>
             </a:fld>
             <a:endParaRPr lang="hu-HU"/>
           </a:p>
@@ -4359,6 +4365,96 @@
           </a:p>
         </p:txBody>
       </p:sp>
+      <p:pic>
+        <p:nvPicPr>
+          <p:cNvPr id="6" name="Content Placeholder 5">
+            <a:extLst>
+              <a:ext uri="{FF2B5EF4-FFF2-40B4-BE49-F238E27FC236}">
+                <a16:creationId xmlns:a16="http://schemas.microsoft.com/office/drawing/2014/main" id="{11E33F92-0FFD-4DE9-8E73-524F8A3E3E7A}"/>
+              </a:ext>
+            </a:extLst>
+          </p:cNvPr>
+          <p:cNvPicPr>
+            <a:picLocks noGrp="1" noChangeAspect="1"/>
+          </p:cNvPicPr>
+          <p:nvPr>
+            <p:ph idx="1"/>
+          </p:nvPr>
+        </p:nvPicPr>
+        <p:blipFill>
+          <a:blip r:embed="rId2"/>
+          <a:stretch>
+            <a:fillRect/>
+          </a:stretch>
+        </p:blipFill>
+        <p:spPr>
+          <a:xfrm>
+            <a:off x="2514601" y="1519568"/>
+            <a:ext cx="6702552" cy="5338432"/>
+          </a:xfrm>
+          <a:prstGeom prst="rect">
+            <a:avLst/>
+          </a:prstGeom>
+        </p:spPr>
+      </p:pic>
+    </p:spTree>
+    <p:extLst>
+      <p:ext uri="{BB962C8B-B14F-4D97-AF65-F5344CB8AC3E}">
+        <p14:creationId xmlns:p14="http://schemas.microsoft.com/office/powerpoint/2010/main" val="963673834"/>
+      </p:ext>
+    </p:extLst>
+  </p:cSld>
+  <p:clrMapOvr>
+    <a:masterClrMapping/>
+  </p:clrMapOvr>
+</p:sld>
+</file>
+
+<file path=ppt/slides/slide4.xml><?xml version="1.0" encoding="utf-8"?>
+<p:sld xmlns:a="http://schemas.openxmlformats.org/drawingml/2006/main" xmlns:r="http://schemas.openxmlformats.org/officeDocument/2006/relationships" xmlns:p="http://schemas.openxmlformats.org/presentationml/2006/main">
+  <p:cSld>
+    <p:spTree>
+      <p:nvGrpSpPr>
+        <p:cNvPr id="1" name=""/>
+        <p:cNvGrpSpPr/>
+        <p:nvPr/>
+      </p:nvGrpSpPr>
+      <p:grpSpPr>
+        <a:xfrm>
+          <a:off x="0" y="0"/>
+          <a:ext cx="0" cy="0"/>
+          <a:chOff x="0" y="0"/>
+          <a:chExt cx="0" cy="0"/>
+        </a:xfrm>
+      </p:grpSpPr>
+      <p:sp>
+        <p:nvSpPr>
+          <p:cNvPr id="2" name="Title 1">
+            <a:extLst>
+              <a:ext uri="{FF2B5EF4-FFF2-40B4-BE49-F238E27FC236}">
+                <a16:creationId xmlns:a16="http://schemas.microsoft.com/office/drawing/2014/main" id="{C1BF61A3-ED7F-4856-BE1E-53F362BD4401}"/>
+              </a:ext>
+            </a:extLst>
+          </p:cNvPr>
+          <p:cNvSpPr>
+            <a:spLocks noGrp="1"/>
+          </p:cNvSpPr>
+          <p:nvPr>
+            <p:ph type="title"/>
+          </p:nvPr>
+        </p:nvSpPr>
+        <p:spPr/>
+        <p:txBody>
+          <a:bodyPr/>
+          <a:lstStyle/>
+          <a:p>
+            <a:r>
+              <a:rPr lang="en-US" dirty="0"/>
+              <a:t>Why we are here</a:t>
+            </a:r>
+          </a:p>
+        </p:txBody>
+      </p:sp>
       <p:sp>
         <p:nvSpPr>
           <p:cNvPr id="3" name="Content Placeholder 2">
@@ -4422,7 +4518,7 @@
 </p:sld>
 </file>
 
-<file path=ppt/slides/slide4.xml><?xml version="1.0" encoding="utf-8"?>
+<file path=ppt/slides/slide5.xml><?xml version="1.0" encoding="utf-8"?>
 <p:sld xmlns:a="http://schemas.openxmlformats.org/drawingml/2006/main" xmlns:r="http://schemas.openxmlformats.org/officeDocument/2006/relationships" xmlns:p="http://schemas.openxmlformats.org/presentationml/2006/main">
   <p:cSld>
     <p:spTree>
@@ -4574,7 +4670,7 @@
 </p:sld>
 </file>
 
-<file path=ppt/slides/slide5.xml><?xml version="1.0" encoding="utf-8"?>
+<file path=ppt/slides/slide6.xml><?xml version="1.0" encoding="utf-8"?>
 <p:sld xmlns:a="http://schemas.openxmlformats.org/drawingml/2006/main" xmlns:r="http://schemas.openxmlformats.org/officeDocument/2006/relationships" xmlns:p="http://schemas.openxmlformats.org/presentationml/2006/main">
   <p:cSld>
     <p:spTree>
@@ -4740,7 +4836,7 @@
 </p:sld>
 </file>
 
-<file path=ppt/slides/slide6.xml><?xml version="1.0" encoding="utf-8"?>
+<file path=ppt/slides/slide7.xml><?xml version="1.0" encoding="utf-8"?>
 <p:sld xmlns:a="http://schemas.openxmlformats.org/drawingml/2006/main" xmlns:r="http://schemas.openxmlformats.org/officeDocument/2006/relationships" xmlns:p="http://schemas.openxmlformats.org/presentationml/2006/main">
   <p:cSld>
     <p:spTree>
@@ -4929,7 +5025,7 @@
 </p:sld>
 </file>
 
-<file path=ppt/slides/slide7.xml><?xml version="1.0" encoding="utf-8"?>
+<file path=ppt/slides/slide8.xml><?xml version="1.0" encoding="utf-8"?>
 <p:sld xmlns:a="http://schemas.openxmlformats.org/drawingml/2006/main" xmlns:r="http://schemas.openxmlformats.org/officeDocument/2006/relationships" xmlns:p="http://schemas.openxmlformats.org/presentationml/2006/main">
   <p:cSld>
     <p:spTree>
